--- a/papers/new stone.pptx
+++ b/papers/new stone.pptx
@@ -5,7 +5,7 @@
     <p:sldMasterId id="2147483649" r:id="rId1"/>
   </p:sldMasterIdLst>
   <p:notesMasterIdLst>
-    <p:notesMasterId r:id="rId11"/>
+    <p:notesMasterId r:id="rId12"/>
   </p:notesMasterIdLst>
   <p:sldIdLst>
     <p:sldId id="256" r:id="rId2"/>
@@ -17,6 +17,7 @@
     <p:sldId id="262" r:id="rId8"/>
     <p:sldId id="263" r:id="rId9"/>
     <p:sldId id="264" r:id="rId10"/>
+    <p:sldId id="265" r:id="rId11"/>
   </p:sldIdLst>
   <p:sldSz cx="9144000" cy="6858000" type="screen4x3"/>
   <p:notesSz cx="7099300" cy="10234613"/>
@@ -5710,6 +5711,321 @@
 </p:sld>
 </file>
 
+<file path=ppt/slides/slide10.xml><?xml version="1.0" encoding="utf-8"?>
+<p:sld xmlns:a="http://schemas.openxmlformats.org/drawingml/2006/main" xmlns:r="http://schemas.openxmlformats.org/officeDocument/2006/relationships" xmlns:p="http://schemas.openxmlformats.org/presentationml/2006/main">
+  <p:cSld>
+    <p:spTree>
+      <p:nvGrpSpPr>
+        <p:cNvPr id="1" name=""/>
+        <p:cNvGrpSpPr/>
+        <p:nvPr/>
+      </p:nvGrpSpPr>
+      <p:grpSpPr>
+        <a:xfrm>
+          <a:off x="0" y="0"/>
+          <a:ext cx="0" cy="0"/>
+          <a:chOff x="0" y="0"/>
+          <a:chExt cx="0" cy="0"/>
+        </a:xfrm>
+      </p:grpSpPr>
+      <p:sp>
+        <p:nvSpPr>
+          <p:cNvPr id="2" name="標題 1">
+            <a:extLst>
+              <a:ext uri="{FF2B5EF4-FFF2-40B4-BE49-F238E27FC236}">
+                <a16:creationId xmlns:a16="http://schemas.microsoft.com/office/drawing/2014/main" id="{AD023ABA-D615-9A09-5A30-D2A58BBED06C}"/>
+              </a:ext>
+            </a:extLst>
+          </p:cNvPr>
+          <p:cNvSpPr>
+            <a:spLocks noGrp="1"/>
+          </p:cNvSpPr>
+          <p:nvPr>
+            <p:ph type="title"/>
+          </p:nvPr>
+        </p:nvSpPr>
+        <p:spPr/>
+        <p:txBody>
+          <a:bodyPr/>
+          <a:lstStyle/>
+          <a:p>
+            <a:r>
+              <a:rPr lang="en-US" altLang="zh-TW" dirty="0"/>
+              <a:t>Optimization in Other Aspects</a:t>
+            </a:r>
+            <a:endParaRPr lang="zh-TW" altLang="en-US" dirty="0"/>
+          </a:p>
+        </p:txBody>
+      </p:sp>
+      <p:sp>
+        <p:nvSpPr>
+          <p:cNvPr id="3" name="內容版面配置區 2">
+            <a:extLst>
+              <a:ext uri="{FF2B5EF4-FFF2-40B4-BE49-F238E27FC236}">
+                <a16:creationId xmlns:a16="http://schemas.microsoft.com/office/drawing/2014/main" id="{2CD95527-ECCF-0376-60E1-864B8C75476D}"/>
+              </a:ext>
+            </a:extLst>
+          </p:cNvPr>
+          <p:cNvSpPr>
+            <a:spLocks noGrp="1"/>
+          </p:cNvSpPr>
+          <p:nvPr>
+            <p:ph idx="1"/>
+          </p:nvPr>
+        </p:nvSpPr>
+        <p:spPr/>
+        <p:txBody>
+          <a:bodyPr/>
+          <a:lstStyle/>
+          <a:p>
+            <a:r>
+              <a:rPr lang="en-US" altLang="zh-TW" dirty="0"/>
+              <a:t>Simultaneous weight update &amp; MAC</a:t>
+            </a:r>
+          </a:p>
+          <a:p>
+            <a:endParaRPr lang="en-US" altLang="zh-TW" dirty="0"/>
+          </a:p>
+          <a:p>
+            <a:endParaRPr lang="en-US" altLang="zh-TW" dirty="0"/>
+          </a:p>
+          <a:p>
+            <a:endParaRPr lang="en-US" altLang="zh-TW" dirty="0"/>
+          </a:p>
+          <a:p>
+            <a:r>
+              <a:rPr lang="en-US" altLang="zh-TW" dirty="0"/>
+              <a:t>Pipelining</a:t>
+            </a:r>
+          </a:p>
+          <a:p>
+            <a:pPr lvl="1"/>
+            <a:r>
+              <a:rPr lang="en-US" altLang="zh-TW" dirty="0"/>
+              <a:t>Increase throughput</a:t>
+            </a:r>
+          </a:p>
+        </p:txBody>
+      </p:sp>
+      <p:sp>
+        <p:nvSpPr>
+          <p:cNvPr id="4" name="投影片編號版面配置區 3">
+            <a:extLst>
+              <a:ext uri="{FF2B5EF4-FFF2-40B4-BE49-F238E27FC236}">
+                <a16:creationId xmlns:a16="http://schemas.microsoft.com/office/drawing/2014/main" id="{218811AC-06BE-7626-B3CC-B395B951E15D}"/>
+              </a:ext>
+            </a:extLst>
+          </p:cNvPr>
+          <p:cNvSpPr>
+            <a:spLocks noGrp="1"/>
+          </p:cNvSpPr>
+          <p:nvPr>
+            <p:ph type="sldNum" sz="quarter" idx="12"/>
+          </p:nvPr>
+        </p:nvSpPr>
+        <p:spPr/>
+        <p:txBody>
+          <a:bodyPr/>
+          <a:lstStyle/>
+          <a:p>
+            <a:pPr>
+              <a:defRPr/>
+            </a:pPr>
+            <a:fld id="{8F5F56E1-31C3-4936-AC76-6E9C056A1F24}" type="slidenum">
+              <a:rPr lang="en-US" altLang="zh-TW" smtClean="0"/>
+              <a:pPr>
+                <a:defRPr/>
+              </a:pPr>
+              <a:t>10</a:t>
+            </a:fld>
+            <a:endParaRPr lang="en-US" altLang="zh-TW"/>
+          </a:p>
+        </p:txBody>
+      </p:sp>
+      <p:pic>
+        <p:nvPicPr>
+          <p:cNvPr id="10" name="圖片 9">
+            <a:extLst>
+              <a:ext uri="{FF2B5EF4-FFF2-40B4-BE49-F238E27FC236}">
+                <a16:creationId xmlns:a16="http://schemas.microsoft.com/office/drawing/2014/main" id="{E5A59993-DDDD-F0A3-C8B9-FBFEFA93EB66}"/>
+              </a:ext>
+            </a:extLst>
+          </p:cNvPr>
+          <p:cNvPicPr>
+            <a:picLocks noChangeAspect="1"/>
+          </p:cNvPicPr>
+          <p:nvPr/>
+        </p:nvPicPr>
+        <p:blipFill>
+          <a:blip r:embed="rId2"/>
+          <a:stretch>
+            <a:fillRect/>
+          </a:stretch>
+        </p:blipFill>
+        <p:spPr>
+          <a:xfrm>
+            <a:off x="611560" y="2060848"/>
+            <a:ext cx="1967964" cy="1512168"/>
+          </a:xfrm>
+          <a:prstGeom prst="rect">
+            <a:avLst/>
+          </a:prstGeom>
+        </p:spPr>
+      </p:pic>
+      <p:sp>
+        <p:nvSpPr>
+          <p:cNvPr id="12" name="文字方塊 11">
+            <a:extLst>
+              <a:ext uri="{FF2B5EF4-FFF2-40B4-BE49-F238E27FC236}">
+                <a16:creationId xmlns:a16="http://schemas.microsoft.com/office/drawing/2014/main" id="{0CD4AA8F-894D-BB6A-4A47-FBC6704039DF}"/>
+              </a:ext>
+            </a:extLst>
+          </p:cNvPr>
+          <p:cNvSpPr txBox="1"/>
+          <p:nvPr/>
+        </p:nvSpPr>
+        <p:spPr>
+          <a:xfrm>
+            <a:off x="2483768" y="2632266"/>
+            <a:ext cx="1054104" cy="369332"/>
+          </a:xfrm>
+          <a:prstGeom prst="rect">
+            <a:avLst/>
+          </a:prstGeom>
+          <a:noFill/>
+        </p:spPr>
+        <p:txBody>
+          <a:bodyPr wrap="square">
+            <a:spAutoFit/>
+          </a:bodyPr>
+          <a:lstStyle/>
+          <a:p>
+            <a:pPr algn="ctr"/>
+            <a:r>
+              <a:rPr lang="en-US" altLang="zh-TW" b="0" dirty="0"/>
+              <a:t>&lt;-MAC</a:t>
+            </a:r>
+            <a:endParaRPr lang="zh-TW" altLang="en-US" b="0" dirty="0"/>
+          </a:p>
+        </p:txBody>
+      </p:sp>
+      <p:pic>
+        <p:nvPicPr>
+          <p:cNvPr id="14" name="圖片 13">
+            <a:extLst>
+              <a:ext uri="{FF2B5EF4-FFF2-40B4-BE49-F238E27FC236}">
+                <a16:creationId xmlns:a16="http://schemas.microsoft.com/office/drawing/2014/main" id="{733381EA-F8FF-E635-B384-DCEF50C7822D}"/>
+              </a:ext>
+            </a:extLst>
+          </p:cNvPr>
+          <p:cNvPicPr>
+            <a:picLocks noChangeAspect="1"/>
+          </p:cNvPicPr>
+          <p:nvPr/>
+        </p:nvPicPr>
+        <p:blipFill>
+          <a:blip r:embed="rId3"/>
+          <a:stretch>
+            <a:fillRect/>
+          </a:stretch>
+        </p:blipFill>
+        <p:spPr>
+          <a:xfrm>
+            <a:off x="4932040" y="2132856"/>
+            <a:ext cx="2557264" cy="1512568"/>
+          </a:xfrm>
+          <a:prstGeom prst="rect">
+            <a:avLst/>
+          </a:prstGeom>
+        </p:spPr>
+      </p:pic>
+      <p:sp>
+        <p:nvSpPr>
+          <p:cNvPr id="15" name="文字方塊 14">
+            <a:extLst>
+              <a:ext uri="{FF2B5EF4-FFF2-40B4-BE49-F238E27FC236}">
+                <a16:creationId xmlns:a16="http://schemas.microsoft.com/office/drawing/2014/main" id="{203396AA-6DE4-3EC0-0F99-9C1A64D1E8EC}"/>
+              </a:ext>
+            </a:extLst>
+          </p:cNvPr>
+          <p:cNvSpPr txBox="1"/>
+          <p:nvPr/>
+        </p:nvSpPr>
+        <p:spPr>
+          <a:xfrm>
+            <a:off x="3588018" y="2493766"/>
+            <a:ext cx="1967964" cy="646331"/>
+          </a:xfrm>
+          <a:prstGeom prst="rect">
+            <a:avLst/>
+          </a:prstGeom>
+          <a:noFill/>
+        </p:spPr>
+        <p:txBody>
+          <a:bodyPr wrap="square">
+            <a:spAutoFit/>
+          </a:bodyPr>
+          <a:lstStyle/>
+          <a:p>
+            <a:pPr algn="ctr"/>
+            <a:r>
+              <a:rPr lang="en-US" altLang="zh-TW" b="0" dirty="0"/>
+              <a:t>SRAM is idle-&gt;</a:t>
+            </a:r>
+          </a:p>
+          <a:p>
+            <a:pPr algn="ctr"/>
+            <a:r>
+              <a:rPr lang="en-US" altLang="zh-TW" b="0" dirty="0"/>
+              <a:t>Update!</a:t>
+            </a:r>
+            <a:endParaRPr lang="zh-TW" altLang="en-US" b="0" dirty="0"/>
+          </a:p>
+        </p:txBody>
+      </p:sp>
+      <p:pic>
+        <p:nvPicPr>
+          <p:cNvPr id="6" name="圖片 5">
+            <a:extLst>
+              <a:ext uri="{FF2B5EF4-FFF2-40B4-BE49-F238E27FC236}">
+                <a16:creationId xmlns:a16="http://schemas.microsoft.com/office/drawing/2014/main" id="{4B6C57D8-77AC-959F-122D-54E9BD2B9857}"/>
+              </a:ext>
+            </a:extLst>
+          </p:cNvPr>
+          <p:cNvPicPr>
+            <a:picLocks noChangeAspect="1"/>
+          </p:cNvPicPr>
+          <p:nvPr/>
+        </p:nvPicPr>
+        <p:blipFill>
+          <a:blip r:embed="rId4"/>
+          <a:stretch>
+            <a:fillRect/>
+          </a:stretch>
+        </p:blipFill>
+        <p:spPr>
+          <a:xfrm>
+            <a:off x="2483768" y="4588849"/>
+            <a:ext cx="4069432" cy="2269151"/>
+          </a:xfrm>
+          <a:prstGeom prst="rect">
+            <a:avLst/>
+          </a:prstGeom>
+        </p:spPr>
+      </p:pic>
+    </p:spTree>
+    <p:extLst>
+      <p:ext uri="{BB962C8B-B14F-4D97-AF65-F5344CB8AC3E}">
+        <p14:creationId xmlns:p14="http://schemas.microsoft.com/office/powerpoint/2010/main" val="3922907502"/>
+      </p:ext>
+    </p:extLst>
+  </p:cSld>
+  <p:clrMapOvr>
+    <a:masterClrMapping/>
+  </p:clrMapOvr>
+</p:sld>
+</file>
+
 <file path=ppt/slides/slide2.xml><?xml version="1.0" encoding="utf-8"?>
 <p:sld xmlns:a="http://schemas.openxmlformats.org/drawingml/2006/main" xmlns:r="http://schemas.openxmlformats.org/officeDocument/2006/relationships" xmlns:p="http://schemas.openxmlformats.org/presentationml/2006/main">
   <p:cSld>
@@ -5806,6 +6122,12 @@
             <a:r>
               <a:rPr lang="en-US" altLang="zh-TW" dirty="0"/>
               <a:t>Optimization techniques for digital designs</a:t>
+            </a:r>
+          </a:p>
+          <a:p>
+            <a:r>
+              <a:rPr lang="en-US" altLang="zh-TW" dirty="0"/>
+              <a:t>Optimization in other aspects</a:t>
             </a:r>
             <a:endParaRPr lang="zh-TW" altLang="en-US" dirty="0"/>
           </a:p>
@@ -12114,34 +12436,23 @@
             <a:endParaRPr lang="en-US" altLang="zh-TW" dirty="0"/>
           </a:p>
           <a:p>
+            <a:pPr marL="0" indent="0">
+              <a:buNone/>
+            </a:pPr>
+            <a:endParaRPr lang="en-US" altLang="zh-TW" dirty="0"/>
+          </a:p>
+          <a:p>
+            <a:r>
+              <a:rPr lang="en-US" altLang="zh-TW" dirty="0"/>
+              <a:t>High BW input memory</a:t>
+            </a:r>
+          </a:p>
+          <a:p>
             <a:pPr lvl="1"/>
-            <a:endParaRPr lang="en-US" altLang="zh-TW" dirty="0"/>
-          </a:p>
-          <a:p>
-            <a:pPr lvl="1"/>
-            <a:endParaRPr lang="en-US" altLang="zh-TW" dirty="0"/>
-          </a:p>
-          <a:p>
-            <a:pPr lvl="1"/>
-            <a:endParaRPr lang="en-US" altLang="zh-TW" dirty="0"/>
-          </a:p>
-          <a:p>
-            <a:pPr lvl="1"/>
             <a:r>
               <a:rPr lang="en-US" altLang="zh-TW" dirty="0"/>
-              <a:t>Pipelined structure</a:t>
-            </a:r>
-          </a:p>
-          <a:p>
-            <a:pPr lvl="2"/>
-            <a:r>
-              <a:rPr lang="en-US" altLang="zh-TW" dirty="0"/>
-              <a:t>System level</a:t>
-            </a:r>
-          </a:p>
-          <a:p>
-            <a:pPr lvl="1"/>
-            <a:endParaRPr lang="en-US" altLang="zh-TW" dirty="0"/>
+              <a:t>In order to support MAC pipeline</a:t>
+            </a:r>
           </a:p>
         </p:txBody>
       </p:sp>
@@ -12247,8 +12558,8 @@
         </p:blipFill>
         <p:spPr>
           <a:xfrm>
-            <a:off x="834346" y="2592999"/>
-            <a:ext cx="3960801" cy="1368152"/>
+            <a:off x="1159000" y="2451075"/>
+            <a:ext cx="3208970" cy="1108452"/>
           </a:xfrm>
           <a:prstGeom prst="rect">
             <a:avLst/>
@@ -12269,7 +12580,7 @@
         </p:nvSpPr>
         <p:spPr>
           <a:xfrm>
-            <a:off x="1158474" y="4000550"/>
+            <a:off x="1188151" y="3453394"/>
             <a:ext cx="3312549" cy="584775"/>
           </a:xfrm>
           <a:prstGeom prst="rect">
@@ -12313,7 +12624,7 @@
         </p:nvSpPr>
         <p:spPr>
           <a:xfrm>
-            <a:off x="5355445" y="4000550"/>
+            <a:off x="4684348" y="3468542"/>
             <a:ext cx="3553343" cy="584775"/>
           </a:xfrm>
           <a:prstGeom prst="rect">
@@ -12365,7 +12676,7 @@
         </p:blipFill>
         <p:spPr>
           <a:xfrm>
-            <a:off x="5508104" y="2610506"/>
+            <a:off x="4896037" y="2108787"/>
             <a:ext cx="2936631" cy="1318664"/>
           </a:xfrm>
           <a:prstGeom prst="rect">
@@ -12375,10 +12686,10 @@
       </p:pic>
       <p:pic>
         <p:nvPicPr>
-          <p:cNvPr id="8" name="圖片 7">
-            <a:extLst>
-              <a:ext uri="{FF2B5EF4-FFF2-40B4-BE49-F238E27FC236}">
-                <a16:creationId xmlns:a16="http://schemas.microsoft.com/office/drawing/2014/main" id="{2BAD124D-573A-69F2-78D2-32D3BFCAEFAA}"/>
+          <p:cNvPr id="20" name="圖片 19">
+            <a:extLst>
+              <a:ext uri="{FF2B5EF4-FFF2-40B4-BE49-F238E27FC236}">
+                <a16:creationId xmlns:a16="http://schemas.microsoft.com/office/drawing/2014/main" id="{3411EA86-3052-FCFF-1F3E-472C6A98401D}"/>
               </a:ext>
             </a:extLst>
           </p:cNvPr>
@@ -12389,14 +12700,102 @@
         </p:nvPicPr>
         <p:blipFill>
           <a:blip r:embed="rId4"/>
+          <a:srcRect b="23928"/>
+          <a:stretch/>
+        </p:blipFill>
+        <p:spPr>
+          <a:xfrm>
+            <a:off x="27806" y="5187095"/>
+            <a:ext cx="1652538" cy="1622230"/>
+          </a:xfrm>
+          <a:prstGeom prst="rect">
+            <a:avLst/>
+          </a:prstGeom>
+        </p:spPr>
+      </p:pic>
+      <p:pic>
+        <p:nvPicPr>
+          <p:cNvPr id="24" name="圖片 23">
+            <a:extLst>
+              <a:ext uri="{FF2B5EF4-FFF2-40B4-BE49-F238E27FC236}">
+                <a16:creationId xmlns:a16="http://schemas.microsoft.com/office/drawing/2014/main" id="{2BA96E94-C0A1-8CAD-30F7-21A2BAF5C8D4}"/>
+              </a:ext>
+            </a:extLst>
+          </p:cNvPr>
+          <p:cNvPicPr>
+            <a:picLocks noChangeAspect="1"/>
+          </p:cNvPicPr>
+          <p:nvPr/>
+        </p:nvPicPr>
+        <p:blipFill>
+          <a:blip r:embed="rId5"/>
           <a:stretch>
             <a:fillRect/>
           </a:stretch>
         </p:blipFill>
         <p:spPr>
           <a:xfrm>
-            <a:off x="4355976" y="4725144"/>
-            <a:ext cx="3556830" cy="2010659"/>
+            <a:off x="4995228" y="5117565"/>
+            <a:ext cx="3457216" cy="1718753"/>
+          </a:xfrm>
+          <a:prstGeom prst="rect">
+            <a:avLst/>
+          </a:prstGeom>
+        </p:spPr>
+      </p:pic>
+      <p:pic>
+        <p:nvPicPr>
+          <p:cNvPr id="26" name="圖片 25">
+            <a:extLst>
+              <a:ext uri="{FF2B5EF4-FFF2-40B4-BE49-F238E27FC236}">
+                <a16:creationId xmlns:a16="http://schemas.microsoft.com/office/drawing/2014/main" id="{FCA52A5C-F947-1D12-F4E6-01BE561378E2}"/>
+              </a:ext>
+            </a:extLst>
+          </p:cNvPr>
+          <p:cNvPicPr>
+            <a:picLocks noChangeAspect="1"/>
+          </p:cNvPicPr>
+          <p:nvPr/>
+        </p:nvPicPr>
+        <p:blipFill>
+          <a:blip r:embed="rId6"/>
+          <a:srcRect l="7902"/>
+          <a:stretch/>
+        </p:blipFill>
+        <p:spPr>
+          <a:xfrm>
+            <a:off x="1740992" y="5144340"/>
+            <a:ext cx="3374685" cy="1706677"/>
+          </a:xfrm>
+          <a:prstGeom prst="rect">
+            <a:avLst/>
+          </a:prstGeom>
+        </p:spPr>
+      </p:pic>
+      <p:pic>
+        <p:nvPicPr>
+          <p:cNvPr id="28" name="圖片 27">
+            <a:extLst>
+              <a:ext uri="{FF2B5EF4-FFF2-40B4-BE49-F238E27FC236}">
+                <a16:creationId xmlns:a16="http://schemas.microsoft.com/office/drawing/2014/main" id="{38918F1A-F730-B24F-D488-3957385E7A90}"/>
+              </a:ext>
+            </a:extLst>
+          </p:cNvPr>
+          <p:cNvPicPr>
+            <a:picLocks noChangeAspect="1"/>
+          </p:cNvPicPr>
+          <p:nvPr/>
+        </p:nvPicPr>
+        <p:blipFill>
+          <a:blip r:embed="rId7"/>
+          <a:stretch>
+            <a:fillRect/>
+          </a:stretch>
+        </p:blipFill>
+        <p:spPr>
+          <a:xfrm>
+            <a:off x="7832668" y="4094409"/>
+            <a:ext cx="1224134" cy="1128693"/>
           </a:xfrm>
           <a:prstGeom prst="rect">
             <a:avLst/>

--- a/papers/new stone.pptx
+++ b/papers/new stone.pptx
@@ -5751,62 +5751,415 @@
           <a:p>
             <a:r>
               <a:rPr lang="en-US" altLang="zh-TW" dirty="0"/>
-              <a:t>Optimization in Other Aspects</a:t>
+              <a:t>Overall Comparison</a:t>
             </a:r>
             <a:endParaRPr lang="zh-TW" altLang="en-US" dirty="0"/>
           </a:p>
         </p:txBody>
       </p:sp>
-      <p:sp>
-        <p:nvSpPr>
-          <p:cNvPr id="3" name="內容版面配置區 2">
-            <a:extLst>
-              <a:ext uri="{FF2B5EF4-FFF2-40B4-BE49-F238E27FC236}">
-                <a16:creationId xmlns:a16="http://schemas.microsoft.com/office/drawing/2014/main" id="{2CD95527-ECCF-0376-60E1-864B8C75476D}"/>
-              </a:ext>
-            </a:extLst>
-          </p:cNvPr>
-          <p:cNvSpPr>
-            <a:spLocks noGrp="1"/>
-          </p:cNvSpPr>
+      <p:graphicFrame>
+        <p:nvGraphicFramePr>
+          <p:cNvPr id="5" name="內容版面配置區 4">
+            <a:extLst>
+              <a:ext uri="{FF2B5EF4-FFF2-40B4-BE49-F238E27FC236}">
+                <a16:creationId xmlns:a16="http://schemas.microsoft.com/office/drawing/2014/main" id="{29B88E64-6316-8406-D582-FB93B36124FC}"/>
+              </a:ext>
+            </a:extLst>
+          </p:cNvPr>
+          <p:cNvGraphicFramePr>
+            <a:graphicFrameLocks noGrp="1"/>
+          </p:cNvGraphicFramePr>
           <p:nvPr>
             <p:ph idx="1"/>
+            <p:extLst>
+              <p:ext uri="{D42A27DB-BD31-4B8C-83A1-F6EECF244321}">
+                <p14:modId xmlns:p14="http://schemas.microsoft.com/office/powerpoint/2010/main" val="477567714"/>
+              </p:ext>
+            </p:extLst>
           </p:nvPr>
-        </p:nvSpPr>
-        <p:spPr/>
-        <p:txBody>
-          <a:bodyPr/>
-          <a:lstStyle/>
-          <a:p>
-            <a:r>
-              <a:rPr lang="en-US" altLang="zh-TW" dirty="0"/>
-              <a:t>Simultaneous weight update &amp; MAC</a:t>
-            </a:r>
-          </a:p>
-          <a:p>
-            <a:endParaRPr lang="en-US" altLang="zh-TW" dirty="0"/>
-          </a:p>
-          <a:p>
-            <a:endParaRPr lang="en-US" altLang="zh-TW" dirty="0"/>
-          </a:p>
-          <a:p>
-            <a:endParaRPr lang="en-US" altLang="zh-TW" dirty="0"/>
-          </a:p>
-          <a:p>
-            <a:r>
-              <a:rPr lang="en-US" altLang="zh-TW" dirty="0"/>
-              <a:t>Pipelining</a:t>
-            </a:r>
-          </a:p>
-          <a:p>
-            <a:pPr lvl="1"/>
-            <a:r>
-              <a:rPr lang="en-US" altLang="zh-TW" dirty="0"/>
-              <a:t>Increase throughput</a:t>
-            </a:r>
-          </a:p>
-        </p:txBody>
-      </p:sp>
+        </p:nvGraphicFramePr>
+        <p:xfrm>
+          <a:off x="457200" y="1600200"/>
+          <a:ext cx="8229600" cy="4925142"/>
+        </p:xfrm>
+        <a:graphic>
+          <a:graphicData uri="http://schemas.openxmlformats.org/drawingml/2006/table">
+            <a:tbl>
+              <a:tblPr firstRow="1" bandRow="1">
+                <a:tableStyleId>{D27102A9-8310-4765-A935-A1911B00CA55}</a:tableStyleId>
+              </a:tblPr>
+              <a:tblGrid>
+                <a:gridCol w="1522512">
+                  <a:extLst>
+                    <a:ext uri="{9D8B030D-6E8A-4147-A177-3AD203B41FA5}">
+                      <a16:colId xmlns:a16="http://schemas.microsoft.com/office/drawing/2014/main" val="1626910919"/>
+                    </a:ext>
+                  </a:extLst>
+                </a:gridCol>
+                <a:gridCol w="2235696">
+                  <a:extLst>
+                    <a:ext uri="{9D8B030D-6E8A-4147-A177-3AD203B41FA5}">
+                      <a16:colId xmlns:a16="http://schemas.microsoft.com/office/drawing/2014/main" val="3413717379"/>
+                    </a:ext>
+                  </a:extLst>
+                </a:gridCol>
+                <a:gridCol w="2235696">
+                  <a:extLst>
+                    <a:ext uri="{9D8B030D-6E8A-4147-A177-3AD203B41FA5}">
+                      <a16:colId xmlns:a16="http://schemas.microsoft.com/office/drawing/2014/main" val="522944346"/>
+                    </a:ext>
+                  </a:extLst>
+                </a:gridCol>
+                <a:gridCol w="2235696">
+                  <a:extLst>
+                    <a:ext uri="{9D8B030D-6E8A-4147-A177-3AD203B41FA5}">
+                      <a16:colId xmlns:a16="http://schemas.microsoft.com/office/drawing/2014/main" val="1629752550"/>
+                    </a:ext>
+                  </a:extLst>
+                </a:gridCol>
+              </a:tblGrid>
+              <a:tr h="439872">
+                <a:tc>
+                  <a:txBody>
+                    <a:bodyPr/>
+                    <a:lstStyle/>
+                    <a:p>
+                      <a:pPr algn="ctr"/>
+                      <a:endParaRPr lang="zh-TW" altLang="en-US" dirty="0"/>
+                    </a:p>
+                  </a:txBody>
+                  <a:tcPr anchor="ctr"/>
+                </a:tc>
+                <a:tc>
+                  <a:txBody>
+                    <a:bodyPr/>
+                    <a:lstStyle/>
+                    <a:p>
+                      <a:pPr algn="ctr"/>
+                      <a:r>
+                        <a:rPr lang="en-US" altLang="zh-TW" dirty="0"/>
+                        <a:t>2021/Analog</a:t>
+                      </a:r>
+                      <a:endParaRPr lang="zh-TW" altLang="en-US" dirty="0"/>
+                    </a:p>
+                  </a:txBody>
+                  <a:tcPr anchor="ctr"/>
+                </a:tc>
+                <a:tc>
+                  <a:txBody>
+                    <a:bodyPr/>
+                    <a:lstStyle/>
+                    <a:p>
+                      <a:pPr algn="ctr"/>
+                      <a:r>
+                        <a:rPr lang="en-US" altLang="zh-TW" dirty="0"/>
+                        <a:t>2023/Analog</a:t>
+                      </a:r>
+                      <a:endParaRPr lang="zh-TW" altLang="en-US" dirty="0"/>
+                    </a:p>
+                  </a:txBody>
+                  <a:tcPr anchor="ctr"/>
+                </a:tc>
+                <a:tc>
+                  <a:txBody>
+                    <a:bodyPr/>
+                    <a:lstStyle/>
+                    <a:p>
+                      <a:pPr algn="ctr"/>
+                      <a:r>
+                        <a:rPr lang="en-US" altLang="zh-TW" dirty="0"/>
+                        <a:t>2022/Digital</a:t>
+                      </a:r>
+                      <a:endParaRPr lang="zh-TW" altLang="en-US" dirty="0"/>
+                    </a:p>
+                  </a:txBody>
+                  <a:tcPr anchor="ctr"/>
+                </a:tc>
+                <a:extLst>
+                  <a:ext uri="{0D108BD9-81ED-4DB2-BD59-A6C34878D82A}">
+                    <a16:rowId xmlns:a16="http://schemas.microsoft.com/office/drawing/2014/main" val="2985834131"/>
+                  </a:ext>
+                </a:extLst>
+              </a:tr>
+              <a:tr h="1495090">
+                <a:tc>
+                  <a:txBody>
+                    <a:bodyPr/>
+                    <a:lstStyle/>
+                    <a:p>
+                      <a:pPr algn="ctr"/>
+                      <a:r>
+                        <a:rPr lang="en-US" altLang="zh-TW" dirty="0"/>
+                        <a:t>Throughput</a:t>
+                      </a:r>
+                    </a:p>
+                    <a:p>
+                      <a:pPr algn="ctr"/>
+                      <a:r>
+                        <a:rPr lang="en-US" altLang="zh-TW" dirty="0"/>
+                        <a:t>TOPS</a:t>
+                      </a:r>
+                    </a:p>
+                    <a:p>
+                      <a:pPr algn="ctr"/>
+                      <a:r>
+                        <a:rPr lang="en-US" altLang="zh-TW" dirty="0"/>
+                        <a:t>(1b x 1b)</a:t>
+                      </a:r>
+                      <a:endParaRPr lang="zh-TW" altLang="en-US" dirty="0"/>
+                    </a:p>
+                  </a:txBody>
+                  <a:tcPr anchor="ctr"/>
+                </a:tc>
+                <a:tc>
+                  <a:txBody>
+                    <a:bodyPr/>
+                    <a:lstStyle/>
+                    <a:p>
+                      <a:pPr algn="ctr"/>
+                      <a:r>
+                        <a:rPr lang="en-US" altLang="zh-TW" dirty="0"/>
+                        <a:t>1.30</a:t>
+                      </a:r>
+                      <a:endParaRPr lang="zh-TW" altLang="en-US" dirty="0"/>
+                    </a:p>
+                  </a:txBody>
+                  <a:tcPr anchor="ctr"/>
+                </a:tc>
+                <a:tc>
+                  <a:txBody>
+                    <a:bodyPr/>
+                    <a:lstStyle/>
+                    <a:p>
+                      <a:pPr algn="ctr"/>
+                      <a:r>
+                        <a:rPr lang="en-US" altLang="zh-TW" dirty="0"/>
+                        <a:t>1.31</a:t>
+                      </a:r>
+                      <a:endParaRPr lang="zh-TW" altLang="en-US" dirty="0"/>
+                    </a:p>
+                  </a:txBody>
+                  <a:tcPr anchor="ctr"/>
+                </a:tc>
+                <a:tc>
+                  <a:txBody>
+                    <a:bodyPr/>
+                    <a:lstStyle/>
+                    <a:p>
+                      <a:pPr algn="ctr"/>
+                      <a:r>
+                        <a:rPr lang="en-US" altLang="zh-TW" dirty="0"/>
+                        <a:t>98.3</a:t>
+                      </a:r>
+                      <a:endParaRPr lang="zh-TW" altLang="en-US" dirty="0"/>
+                    </a:p>
+                  </a:txBody>
+                  <a:tcPr anchor="ctr"/>
+                </a:tc>
+                <a:extLst>
+                  <a:ext uri="{0D108BD9-81ED-4DB2-BD59-A6C34878D82A}">
+                    <a16:rowId xmlns:a16="http://schemas.microsoft.com/office/drawing/2014/main" val="901213259"/>
+                  </a:ext>
+                </a:extLst>
+              </a:tr>
+              <a:tr h="1495090">
+                <a:tc>
+                  <a:txBody>
+                    <a:bodyPr/>
+                    <a:lstStyle/>
+                    <a:p>
+                      <a:pPr algn="ctr"/>
+                      <a:r>
+                        <a:rPr lang="en-US" altLang="zh-TW" dirty="0"/>
+                        <a:t>Energy Efficiency</a:t>
+                      </a:r>
+                    </a:p>
+                    <a:p>
+                      <a:pPr algn="ctr"/>
+                      <a:r>
+                        <a:rPr lang="en-US" altLang="zh-TW" dirty="0"/>
+                        <a:t>TOPS/W</a:t>
+                      </a:r>
+                    </a:p>
+                    <a:p>
+                      <a:pPr marL="0" marR="0" lvl="0" indent="0" algn="ctr" defTabSz="914400" rtl="0" eaLnBrk="1" fontAlgn="auto" latinLnBrk="0" hangingPunct="1">
+                        <a:lnSpc>
+                          <a:spcPct val="100000"/>
+                        </a:lnSpc>
+                        <a:spcBef>
+                          <a:spcPts val="0"/>
+                        </a:spcBef>
+                        <a:spcAft>
+                          <a:spcPts val="0"/>
+                        </a:spcAft>
+                        <a:buClrTx/>
+                        <a:buSzTx/>
+                        <a:buFontTx/>
+                        <a:buNone/>
+                        <a:tabLst/>
+                        <a:defRPr/>
+                      </a:pPr>
+                      <a:r>
+                        <a:rPr lang="en-US" altLang="zh-TW" dirty="0"/>
+                        <a:t>(1b x 1b)</a:t>
+                      </a:r>
+                      <a:endParaRPr lang="zh-TW" altLang="en-US" dirty="0"/>
+                    </a:p>
+                  </a:txBody>
+                  <a:tcPr anchor="ctr"/>
+                </a:tc>
+                <a:tc>
+                  <a:txBody>
+                    <a:bodyPr/>
+                    <a:lstStyle/>
+                    <a:p>
+                      <a:pPr algn="ctr"/>
+                      <a:r>
+                        <a:rPr lang="en-US" altLang="zh-TW" dirty="0"/>
+                        <a:t>293</a:t>
+                      </a:r>
+                      <a:endParaRPr lang="zh-TW" altLang="en-US" dirty="0"/>
+                    </a:p>
+                  </a:txBody>
+                  <a:tcPr anchor="ctr"/>
+                </a:tc>
+                <a:tc>
+                  <a:txBody>
+                    <a:bodyPr/>
+                    <a:lstStyle/>
+                    <a:p>
+                      <a:pPr algn="ctr"/>
+                      <a:r>
+                        <a:rPr lang="en-US" altLang="zh-TW" dirty="0"/>
+                        <a:t>291</a:t>
+                      </a:r>
+                      <a:endParaRPr lang="zh-TW" altLang="en-US" dirty="0"/>
+                    </a:p>
+                  </a:txBody>
+                  <a:tcPr anchor="ctr"/>
+                </a:tc>
+                <a:tc>
+                  <a:txBody>
+                    <a:bodyPr/>
+                    <a:lstStyle/>
+                    <a:p>
+                      <a:pPr algn="ctr"/>
+                      <a:r>
+                        <a:rPr lang="en-US" altLang="zh-TW" dirty="0"/>
+                        <a:t>625</a:t>
+                      </a:r>
+                      <a:endParaRPr lang="zh-TW" altLang="en-US" dirty="0"/>
+                    </a:p>
+                  </a:txBody>
+                  <a:tcPr anchor="ctr"/>
+                </a:tc>
+                <a:extLst>
+                  <a:ext uri="{0D108BD9-81ED-4DB2-BD59-A6C34878D82A}">
+                    <a16:rowId xmlns:a16="http://schemas.microsoft.com/office/drawing/2014/main" val="1727248889"/>
+                  </a:ext>
+                </a:extLst>
+              </a:tr>
+              <a:tr h="1495090">
+                <a:tc>
+                  <a:txBody>
+                    <a:bodyPr/>
+                    <a:lstStyle/>
+                    <a:p>
+                      <a:pPr algn="ctr"/>
+                      <a:r>
+                        <a:rPr lang="en-US" altLang="zh-TW" dirty="0"/>
+                        <a:t>Area Efficiency</a:t>
+                      </a:r>
+                    </a:p>
+                    <a:p>
+                      <a:pPr marL="0" marR="0" lvl="0" indent="0" algn="ctr" defTabSz="914400" rtl="0" eaLnBrk="1" fontAlgn="auto" latinLnBrk="0" hangingPunct="1">
+                        <a:lnSpc>
+                          <a:spcPct val="100000"/>
+                        </a:lnSpc>
+                        <a:spcBef>
+                          <a:spcPts val="0"/>
+                        </a:spcBef>
+                        <a:spcAft>
+                          <a:spcPts val="0"/>
+                        </a:spcAft>
+                        <a:buClrTx/>
+                        <a:buSzTx/>
+                        <a:buFontTx/>
+                        <a:buNone/>
+                        <a:tabLst/>
+                        <a:defRPr/>
+                      </a:pPr>
+                      <a:r>
+                        <a:rPr lang="en-US" altLang="zh-TW" dirty="0"/>
+                        <a:t>TOPS/mm2</a:t>
+                      </a:r>
+                      <a:br>
+                        <a:rPr lang="en-US" altLang="zh-TW" dirty="0"/>
+                      </a:br>
+                      <a:r>
+                        <a:rPr lang="en-US" altLang="zh-TW" dirty="0"/>
+                        <a:t>(1b x 1b)</a:t>
+                      </a:r>
+                      <a:endParaRPr lang="zh-TW" altLang="en-US" dirty="0"/>
+                    </a:p>
+                  </a:txBody>
+                  <a:tcPr anchor="ctr"/>
+                </a:tc>
+                <a:tc>
+                  <a:txBody>
+                    <a:bodyPr/>
+                    <a:lstStyle/>
+                    <a:p>
+                      <a:pPr algn="ctr"/>
+                      <a:r>
+                        <a:rPr lang="en-US" altLang="zh-TW" dirty="0"/>
+                        <a:t>23.01</a:t>
+                      </a:r>
+                      <a:endParaRPr lang="zh-TW" altLang="en-US" dirty="0"/>
+                    </a:p>
+                  </a:txBody>
+                  <a:tcPr anchor="ctr"/>
+                </a:tc>
+                <a:tc>
+                  <a:txBody>
+                    <a:bodyPr/>
+                    <a:lstStyle/>
+                    <a:p>
+                      <a:pPr algn="ctr"/>
+                      <a:r>
+                        <a:rPr lang="en-US" altLang="zh-TW" dirty="0"/>
+                        <a:t>27.7</a:t>
+                      </a:r>
+                      <a:endParaRPr lang="zh-TW" altLang="en-US" dirty="0"/>
+                    </a:p>
+                  </a:txBody>
+                  <a:tcPr anchor="ctr"/>
+                </a:tc>
+                <a:tc>
+                  <a:txBody>
+                    <a:bodyPr/>
+                    <a:lstStyle/>
+                    <a:p>
+                      <a:pPr algn="ctr"/>
+                      <a:r>
+                        <a:rPr lang="en-US" altLang="zh-TW" dirty="0"/>
+                        <a:t>10.49</a:t>
+                      </a:r>
+                      <a:endParaRPr lang="zh-TW" altLang="en-US" dirty="0"/>
+                    </a:p>
+                  </a:txBody>
+                  <a:tcPr anchor="ctr"/>
+                </a:tc>
+                <a:extLst>
+                  <a:ext uri="{0D108BD9-81ED-4DB2-BD59-A6C34878D82A}">
+                    <a16:rowId xmlns:a16="http://schemas.microsoft.com/office/drawing/2014/main" val="2088042741"/>
+                  </a:ext>
+                </a:extLst>
+              </a:tr>
+            </a:tbl>
+          </a:graphicData>
+        </a:graphic>
+      </p:graphicFrame>
       <p:sp>
         <p:nvSpPr>
           <p:cNvPr id="4" name="投影片編號版面配置區 3">
@@ -5842,42 +6195,58 @@
           </a:p>
         </p:txBody>
       </p:sp>
-      <p:pic>
-        <p:nvPicPr>
-          <p:cNvPr id="10" name="圖片 9">
-            <a:extLst>
-              <a:ext uri="{FF2B5EF4-FFF2-40B4-BE49-F238E27FC236}">
-                <a16:creationId xmlns:a16="http://schemas.microsoft.com/office/drawing/2014/main" id="{E5A59993-DDDD-F0A3-C8B9-FBFEFA93EB66}"/>
-              </a:ext>
-            </a:extLst>
-          </p:cNvPr>
-          <p:cNvPicPr>
-            <a:picLocks noChangeAspect="1"/>
-          </p:cNvPicPr>
+      <p:cxnSp>
+        <p:nvCxnSpPr>
+          <p:cNvPr id="8" name="直線單箭頭接點 7">
+            <a:extLst>
+              <a:ext uri="{FF2B5EF4-FFF2-40B4-BE49-F238E27FC236}">
+                <a16:creationId xmlns:a16="http://schemas.microsoft.com/office/drawing/2014/main" id="{FE2A1AF5-DE91-B9F8-31F4-91445B977FE1}"/>
+              </a:ext>
+            </a:extLst>
+          </p:cNvPr>
+          <p:cNvCxnSpPr/>
           <p:nvPr/>
-        </p:nvPicPr>
-        <p:blipFill>
-          <a:blip r:embed="rId2"/>
-          <a:stretch>
-            <a:fillRect/>
-          </a:stretch>
-        </p:blipFill>
-        <p:spPr>
+        </p:nvCxnSpPr>
+        <p:spPr bwMode="auto">
           <a:xfrm>
-            <a:off x="611560" y="2060848"/>
-            <a:ext cx="1967964" cy="1512168"/>
+            <a:off x="6049144" y="2780928"/>
+            <a:ext cx="1008112" cy="0"/>
           </a:xfrm>
-          <a:prstGeom prst="rect">
+          <a:prstGeom prst="straightConnector1">
             <a:avLst/>
           </a:prstGeom>
+          <a:solidFill>
+            <a:schemeClr val="accent1"/>
+          </a:solidFill>
+          <a:ln w="9525" cap="flat" cmpd="sng" algn="ctr">
+            <a:solidFill>
+              <a:schemeClr val="tx1"/>
+            </a:solidFill>
+            <a:prstDash val="solid"/>
+            <a:round/>
+            <a:headEnd type="triangle"/>
+            <a:tailEnd type="triangle"/>
+          </a:ln>
+          <a:effectLst/>
+          <a:extLst>
+            <a:ext uri="{AF507438-7753-43E0-B8FC-AC1667EBCBE1}">
+              <a14:hiddenEffects xmlns:a14="http://schemas.microsoft.com/office/drawing/2010/main">
+                <a:effectLst>
+                  <a:outerShdw dist="35921" dir="2700000" algn="ctr" rotWithShape="0">
+                    <a:schemeClr val="bg2"/>
+                  </a:outerShdw>
+                </a:effectLst>
+              </a14:hiddenEffects>
+            </a:ext>
+          </a:extLst>
         </p:spPr>
-      </p:pic>
+      </p:cxnSp>
       <p:sp>
         <p:nvSpPr>
-          <p:cNvPr id="12" name="文字方塊 11">
-            <a:extLst>
-              <a:ext uri="{FF2B5EF4-FFF2-40B4-BE49-F238E27FC236}">
-                <a16:creationId xmlns:a16="http://schemas.microsoft.com/office/drawing/2014/main" id="{0CD4AA8F-894D-BB6A-4A47-FBC6704039DF}"/>
+          <p:cNvPr id="11" name="文字方塊 10">
+            <a:extLst>
+              <a:ext uri="{FF2B5EF4-FFF2-40B4-BE49-F238E27FC236}">
+                <a16:creationId xmlns:a16="http://schemas.microsoft.com/office/drawing/2014/main" id="{AF01362C-19D9-289C-50A5-0A56649710A9}"/>
               </a:ext>
             </a:extLst>
           </p:cNvPr>
@@ -5886,8 +6255,8 @@
         </p:nvSpPr>
         <p:spPr>
           <a:xfrm>
-            <a:off x="2483768" y="2632266"/>
-            <a:ext cx="1054104" cy="369332"/>
+            <a:off x="5941132" y="2448842"/>
+            <a:ext cx="1224136" cy="276999"/>
           </a:xfrm>
           <a:prstGeom prst="rect">
             <a:avLst/>
@@ -5900,51 +6269,20 @@
           </a:bodyPr>
           <a:lstStyle/>
           <a:p>
-            <a:pPr algn="ctr"/>
-            <a:r>
-              <a:rPr lang="en-US" altLang="zh-TW" b="0" dirty="0"/>
-              <a:t>&lt;-MAC</a:t>
-            </a:r>
-            <a:endParaRPr lang="zh-TW" altLang="en-US" b="0" dirty="0"/>
+            <a:r>
+              <a:rPr lang="en-US" altLang="zh-TW" sz="1200" b="0" dirty="0"/>
+              <a:t>Parallel input</a:t>
+            </a:r>
+            <a:endParaRPr lang="zh-TW" altLang="en-US" sz="1200" b="0" dirty="0"/>
           </a:p>
         </p:txBody>
       </p:sp>
-      <p:pic>
-        <p:nvPicPr>
-          <p:cNvPr id="14" name="圖片 13">
-            <a:extLst>
-              <a:ext uri="{FF2B5EF4-FFF2-40B4-BE49-F238E27FC236}">
-                <a16:creationId xmlns:a16="http://schemas.microsoft.com/office/drawing/2014/main" id="{733381EA-F8FF-E635-B384-DCEF50C7822D}"/>
-              </a:ext>
-            </a:extLst>
-          </p:cNvPr>
-          <p:cNvPicPr>
-            <a:picLocks noChangeAspect="1"/>
-          </p:cNvPicPr>
-          <p:nvPr/>
-        </p:nvPicPr>
-        <p:blipFill>
-          <a:blip r:embed="rId3"/>
-          <a:stretch>
-            <a:fillRect/>
-          </a:stretch>
-        </p:blipFill>
-        <p:spPr>
-          <a:xfrm>
-            <a:off x="4932040" y="2132856"/>
-            <a:ext cx="2557264" cy="1512568"/>
-          </a:xfrm>
-          <a:prstGeom prst="rect">
-            <a:avLst/>
-          </a:prstGeom>
-        </p:spPr>
-      </p:pic>
       <p:sp>
         <p:nvSpPr>
-          <p:cNvPr id="15" name="文字方塊 14">
-            <a:extLst>
-              <a:ext uri="{FF2B5EF4-FFF2-40B4-BE49-F238E27FC236}">
-                <a16:creationId xmlns:a16="http://schemas.microsoft.com/office/drawing/2014/main" id="{203396AA-6DE4-3EC0-0F99-9C1A64D1E8EC}"/>
+          <p:cNvPr id="13" name="文字方塊 12">
+            <a:extLst>
+              <a:ext uri="{FF2B5EF4-FFF2-40B4-BE49-F238E27FC236}">
+                <a16:creationId xmlns:a16="http://schemas.microsoft.com/office/drawing/2014/main" id="{0A5252EB-8C9F-18E2-8755-4298FDFEA6E7}"/>
               </a:ext>
             </a:extLst>
           </p:cNvPr>
@@ -5953,8 +6291,8 @@
         </p:nvSpPr>
         <p:spPr>
           <a:xfrm>
-            <a:off x="3588018" y="2493766"/>
-            <a:ext cx="1967964" cy="646331"/>
+            <a:off x="5941132" y="2855087"/>
+            <a:ext cx="1224136" cy="461665"/>
           </a:xfrm>
           <a:prstGeom prst="rect">
             <a:avLst/>
@@ -5969,50 +6307,269 @@
           <a:p>
             <a:pPr algn="ctr"/>
             <a:r>
-              <a:rPr lang="en-US" altLang="zh-TW" b="0" dirty="0"/>
-              <a:t>SRAM is idle-&gt;</a:t>
+              <a:rPr lang="en-US" altLang="zh-TW" sz="1200" b="0" dirty="0"/>
+              <a:t>Freq increase</a:t>
             </a:r>
           </a:p>
           <a:p>
             <a:pPr algn="ctr"/>
             <a:r>
-              <a:rPr lang="en-US" altLang="zh-TW" b="0" dirty="0"/>
-              <a:t>Update!</a:t>
-            </a:r>
-            <a:endParaRPr lang="zh-TW" altLang="en-US" b="0" dirty="0"/>
+              <a:rPr lang="en-US" altLang="zh-TW" sz="1200" b="0" dirty="0"/>
+              <a:t>Pipelining</a:t>
+            </a:r>
+            <a:endParaRPr lang="zh-TW" altLang="en-US" sz="1200" b="0" dirty="0"/>
           </a:p>
         </p:txBody>
       </p:sp>
-      <p:pic>
-        <p:nvPicPr>
-          <p:cNvPr id="6" name="圖片 5">
-            <a:extLst>
-              <a:ext uri="{FF2B5EF4-FFF2-40B4-BE49-F238E27FC236}">
-                <a16:creationId xmlns:a16="http://schemas.microsoft.com/office/drawing/2014/main" id="{4B6C57D8-77AC-959F-122D-54E9BD2B9857}"/>
-              </a:ext>
-            </a:extLst>
-          </p:cNvPr>
-          <p:cNvPicPr>
-            <a:picLocks noChangeAspect="1"/>
-          </p:cNvPicPr>
+      <p:cxnSp>
+        <p:nvCxnSpPr>
+          <p:cNvPr id="16" name="直線單箭頭接點 15">
+            <a:extLst>
+              <a:ext uri="{FF2B5EF4-FFF2-40B4-BE49-F238E27FC236}">
+                <a16:creationId xmlns:a16="http://schemas.microsoft.com/office/drawing/2014/main" id="{7611FEDD-1B5B-A970-4599-25CE9FB74B83}"/>
+              </a:ext>
+            </a:extLst>
+          </p:cNvPr>
+          <p:cNvCxnSpPr/>
           <p:nvPr/>
-        </p:nvPicPr>
-        <p:blipFill>
-          <a:blip r:embed="rId4"/>
-          <a:stretch>
-            <a:fillRect/>
-          </a:stretch>
-        </p:blipFill>
+        </p:nvCxnSpPr>
+        <p:spPr bwMode="auto">
+          <a:xfrm>
+            <a:off x="6012160" y="4293096"/>
+            <a:ext cx="1008112" cy="0"/>
+          </a:xfrm>
+          <a:prstGeom prst="straightConnector1">
+            <a:avLst/>
+          </a:prstGeom>
+          <a:solidFill>
+            <a:schemeClr val="accent1"/>
+          </a:solidFill>
+          <a:ln w="9525" cap="flat" cmpd="sng" algn="ctr">
+            <a:solidFill>
+              <a:schemeClr val="tx1"/>
+            </a:solidFill>
+            <a:prstDash val="solid"/>
+            <a:round/>
+            <a:headEnd type="triangle"/>
+            <a:tailEnd type="triangle"/>
+          </a:ln>
+          <a:effectLst/>
+          <a:extLst>
+            <a:ext uri="{AF507438-7753-43E0-B8FC-AC1667EBCBE1}">
+              <a14:hiddenEffects xmlns:a14="http://schemas.microsoft.com/office/drawing/2010/main">
+                <a:effectLst>
+                  <a:outerShdw dist="35921" dir="2700000" algn="ctr" rotWithShape="0">
+                    <a:schemeClr val="bg2"/>
+                  </a:outerShdw>
+                </a:effectLst>
+              </a14:hiddenEffects>
+            </a:ext>
+          </a:extLst>
+        </p:spPr>
+      </p:cxnSp>
+      <p:sp>
+        <p:nvSpPr>
+          <p:cNvPr id="17" name="文字方塊 16">
+            <a:extLst>
+              <a:ext uri="{FF2B5EF4-FFF2-40B4-BE49-F238E27FC236}">
+                <a16:creationId xmlns:a16="http://schemas.microsoft.com/office/drawing/2014/main" id="{EED5E8E2-0A83-0F96-7DDE-BED426659D71}"/>
+              </a:ext>
+            </a:extLst>
+          </p:cNvPr>
+          <p:cNvSpPr txBox="1"/>
+          <p:nvPr/>
+        </p:nvSpPr>
         <p:spPr>
           <a:xfrm>
-            <a:off x="2483768" y="4588849"/>
-            <a:ext cx="4069432" cy="2269151"/>
+            <a:off x="5904148" y="3924271"/>
+            <a:ext cx="1224136" cy="276999"/>
           </a:xfrm>
           <a:prstGeom prst="rect">
             <a:avLst/>
           </a:prstGeom>
+          <a:noFill/>
         </p:spPr>
-      </p:pic>
+        <p:txBody>
+          <a:bodyPr wrap="square">
+            <a:spAutoFit/>
+          </a:bodyPr>
+          <a:lstStyle/>
+          <a:p>
+            <a:pPr algn="ctr"/>
+            <a:r>
+              <a:rPr lang="en-US" altLang="zh-TW" sz="1200" b="0" dirty="0"/>
+              <a:t>ADC?</a:t>
+            </a:r>
+            <a:endParaRPr lang="zh-TW" altLang="en-US" sz="1200" b="0" dirty="0"/>
+          </a:p>
+        </p:txBody>
+      </p:sp>
+      <p:sp>
+        <p:nvSpPr>
+          <p:cNvPr id="18" name="文字方塊 17">
+            <a:extLst>
+              <a:ext uri="{FF2B5EF4-FFF2-40B4-BE49-F238E27FC236}">
+                <a16:creationId xmlns:a16="http://schemas.microsoft.com/office/drawing/2014/main" id="{89FD88E7-D380-2363-1894-0C0B464D90F9}"/>
+              </a:ext>
+            </a:extLst>
+          </p:cNvPr>
+          <p:cNvSpPr txBox="1"/>
+          <p:nvPr/>
+        </p:nvSpPr>
+        <p:spPr>
+          <a:xfrm>
+            <a:off x="5904148" y="5502323"/>
+            <a:ext cx="1224136" cy="276999"/>
+          </a:xfrm>
+          <a:prstGeom prst="rect">
+            <a:avLst/>
+          </a:prstGeom>
+          <a:noFill/>
+        </p:spPr>
+        <p:txBody>
+          <a:bodyPr wrap="square">
+            <a:spAutoFit/>
+          </a:bodyPr>
+          <a:lstStyle/>
+          <a:p>
+            <a:pPr algn="ctr"/>
+            <a:r>
+              <a:rPr lang="en-US" altLang="zh-TW" sz="1200" b="0" dirty="0"/>
+              <a:t>Adder tree</a:t>
+            </a:r>
+            <a:endParaRPr lang="zh-TW" altLang="en-US" sz="1200" b="0" dirty="0"/>
+          </a:p>
+        </p:txBody>
+      </p:sp>
+      <p:cxnSp>
+        <p:nvCxnSpPr>
+          <p:cNvPr id="19" name="直線單箭頭接點 18">
+            <a:extLst>
+              <a:ext uri="{FF2B5EF4-FFF2-40B4-BE49-F238E27FC236}">
+                <a16:creationId xmlns:a16="http://schemas.microsoft.com/office/drawing/2014/main" id="{3F9C3F3E-F286-E53F-123C-2C94690C273F}"/>
+              </a:ext>
+            </a:extLst>
+          </p:cNvPr>
+          <p:cNvCxnSpPr/>
+          <p:nvPr/>
+        </p:nvCxnSpPr>
+        <p:spPr bwMode="auto">
+          <a:xfrm>
+            <a:off x="6012160" y="5779322"/>
+            <a:ext cx="1008112" cy="0"/>
+          </a:xfrm>
+          <a:prstGeom prst="straightConnector1">
+            <a:avLst/>
+          </a:prstGeom>
+          <a:solidFill>
+            <a:schemeClr val="accent1"/>
+          </a:solidFill>
+          <a:ln w="9525" cap="flat" cmpd="sng" algn="ctr">
+            <a:solidFill>
+              <a:schemeClr val="tx1"/>
+            </a:solidFill>
+            <a:prstDash val="solid"/>
+            <a:round/>
+            <a:headEnd type="triangle"/>
+            <a:tailEnd type="triangle"/>
+          </a:ln>
+          <a:effectLst/>
+          <a:extLst>
+            <a:ext uri="{AF507438-7753-43E0-B8FC-AC1667EBCBE1}">
+              <a14:hiddenEffects xmlns:a14="http://schemas.microsoft.com/office/drawing/2010/main">
+                <a:effectLst>
+                  <a:outerShdw dist="35921" dir="2700000" algn="ctr" rotWithShape="0">
+                    <a:schemeClr val="bg2"/>
+                  </a:outerShdw>
+                </a:effectLst>
+              </a14:hiddenEffects>
+            </a:ext>
+          </a:extLst>
+        </p:spPr>
+      </p:cxnSp>
+      <p:sp>
+        <p:nvSpPr>
+          <p:cNvPr id="20" name="文字方塊 19">
+            <a:extLst>
+              <a:ext uri="{FF2B5EF4-FFF2-40B4-BE49-F238E27FC236}">
+                <a16:creationId xmlns:a16="http://schemas.microsoft.com/office/drawing/2014/main" id="{D0403C13-CBF7-55D6-19A5-162D3C694BCA}"/>
+              </a:ext>
+            </a:extLst>
+          </p:cNvPr>
+          <p:cNvSpPr txBox="1"/>
+          <p:nvPr/>
+        </p:nvSpPr>
+        <p:spPr>
+          <a:xfrm>
+            <a:off x="3625552" y="5502323"/>
+            <a:ext cx="1224136" cy="276999"/>
+          </a:xfrm>
+          <a:prstGeom prst="rect">
+            <a:avLst/>
+          </a:prstGeom>
+          <a:noFill/>
+        </p:spPr>
+        <p:txBody>
+          <a:bodyPr wrap="square">
+            <a:spAutoFit/>
+          </a:bodyPr>
+          <a:lstStyle/>
+          <a:p>
+            <a:pPr algn="ctr"/>
+            <a:r>
+              <a:rPr lang="en-US" altLang="zh-TW" sz="1200" b="0" dirty="0"/>
+              <a:t>DAC</a:t>
+            </a:r>
+            <a:endParaRPr lang="zh-TW" altLang="en-US" sz="1200" b="0" dirty="0"/>
+          </a:p>
+        </p:txBody>
+      </p:sp>
+      <p:cxnSp>
+        <p:nvCxnSpPr>
+          <p:cNvPr id="21" name="直線單箭頭接點 20">
+            <a:extLst>
+              <a:ext uri="{FF2B5EF4-FFF2-40B4-BE49-F238E27FC236}">
+                <a16:creationId xmlns:a16="http://schemas.microsoft.com/office/drawing/2014/main" id="{9BE9EC2B-4D73-2F24-6EE8-A8E14EC401F0}"/>
+              </a:ext>
+            </a:extLst>
+          </p:cNvPr>
+          <p:cNvCxnSpPr/>
+          <p:nvPr/>
+        </p:nvCxnSpPr>
+        <p:spPr bwMode="auto">
+          <a:xfrm>
+            <a:off x="3733564" y="5779322"/>
+            <a:ext cx="1008112" cy="0"/>
+          </a:xfrm>
+          <a:prstGeom prst="straightConnector1">
+            <a:avLst/>
+          </a:prstGeom>
+          <a:solidFill>
+            <a:schemeClr val="accent1"/>
+          </a:solidFill>
+          <a:ln w="9525" cap="flat" cmpd="sng" algn="ctr">
+            <a:solidFill>
+              <a:schemeClr val="tx1"/>
+            </a:solidFill>
+            <a:prstDash val="solid"/>
+            <a:round/>
+            <a:headEnd type="triangle"/>
+            <a:tailEnd type="triangle"/>
+          </a:ln>
+          <a:effectLst/>
+          <a:extLst>
+            <a:ext uri="{AF507438-7753-43E0-B8FC-AC1667EBCBE1}">
+              <a14:hiddenEffects xmlns:a14="http://schemas.microsoft.com/office/drawing/2010/main">
+                <a:effectLst>
+                  <a:outerShdw dist="35921" dir="2700000" algn="ctr" rotWithShape="0">
+                    <a:schemeClr val="bg2"/>
+                  </a:outerShdw>
+                </a:effectLst>
+              </a14:hiddenEffects>
+            </a:ext>
+          </a:extLst>
+        </p:spPr>
+      </p:cxnSp>
     </p:spTree>
     <p:extLst>
       <p:ext uri="{BB962C8B-B14F-4D97-AF65-F5344CB8AC3E}">
@@ -6128,6 +6685,20 @@
             <a:r>
               <a:rPr lang="en-US" altLang="zh-TW" dirty="0"/>
               <a:t>Optimization in other aspects</a:t>
+            </a:r>
+          </a:p>
+          <a:p>
+            <a:r>
+              <a:rPr lang="en-US" altLang="zh-TW" dirty="0"/>
+              <a:t>Overall </a:t>
+            </a:r>
+            <a:r>
+              <a:rPr lang="en-US" altLang="zh-TW"/>
+              <a:t>comparison among </a:t>
+            </a:r>
+            <a:r>
+              <a:rPr lang="en-US" altLang="zh-TW" dirty="0"/>
+              <a:t>3 papers</a:t>
             </a:r>
             <a:endParaRPr lang="zh-TW" altLang="en-US" dirty="0"/>
           </a:p>
